--- a/Week14/02 Pet Park - Retrieve Contributor.pptx
+++ b/Week14/02 Pet Park - Retrieve Contributor.pptx
@@ -116,6 +116,50 @@
 </p:presentation>
 </file>
 
+<file path=ppt/changesInfos/changesInfo1.xml><?xml version="1.0" encoding="utf-8"?>
+<pc:chgInfo xmlns:a="http://schemas.openxmlformats.org/drawingml/2006/main" xmlns:r="http://schemas.openxmlformats.org/officeDocument/2006/relationships" xmlns:ac="http://schemas.microsoft.com/office/drawing/2013/main/command" xmlns:pc="http://schemas.microsoft.com/office/powerpoint/2013/main/command">
+  <pc:docChgLst>
+    <pc:chgData name="Chuck Kiefriter" userId="a996b49251c4dfd2" providerId="LiveId" clId="{BEAFF016-86B6-42C7-BC8E-F05A72780C2C}"/>
+    <pc:docChg chg="modSld">
+      <pc:chgData name="Chuck Kiefriter" userId="a996b49251c4dfd2" providerId="LiveId" clId="{BEAFF016-86B6-42C7-BC8E-F05A72780C2C}" dt="2024-03-19T22:15:45.729" v="1" actId="14100"/>
+      <pc:docMkLst>
+        <pc:docMk/>
+      </pc:docMkLst>
+      <pc:sldChg chg="modSp mod">
+        <pc:chgData name="Chuck Kiefriter" userId="a996b49251c4dfd2" providerId="LiveId" clId="{BEAFF016-86B6-42C7-BC8E-F05A72780C2C}" dt="2024-03-19T22:15:33.167" v="0" actId="14100"/>
+        <pc:sldMkLst>
+          <pc:docMk/>
+          <pc:sldMk cId="1886701090" sldId="257"/>
+        </pc:sldMkLst>
+        <pc:spChg chg="mod">
+          <ac:chgData name="Chuck Kiefriter" userId="a996b49251c4dfd2" providerId="LiveId" clId="{BEAFF016-86B6-42C7-BC8E-F05A72780C2C}" dt="2024-03-19T22:15:33.167" v="0" actId="14100"/>
+          <ac:spMkLst>
+            <pc:docMk/>
+            <pc:sldMk cId="1886701090" sldId="257"/>
+            <ac:spMk id="3" creationId="{9BBA6507-9FA3-A376-A7FE-AB5EEA815E67}"/>
+          </ac:spMkLst>
+        </pc:spChg>
+      </pc:sldChg>
+      <pc:sldChg chg="modSp mod">
+        <pc:chgData name="Chuck Kiefriter" userId="a996b49251c4dfd2" providerId="LiveId" clId="{BEAFF016-86B6-42C7-BC8E-F05A72780C2C}" dt="2024-03-19T22:15:45.729" v="1" actId="14100"/>
+        <pc:sldMkLst>
+          <pc:docMk/>
+          <pc:sldMk cId="2767873475" sldId="258"/>
+        </pc:sldMkLst>
+        <pc:spChg chg="mod">
+          <ac:chgData name="Chuck Kiefriter" userId="a996b49251c4dfd2" providerId="LiveId" clId="{BEAFF016-86B6-42C7-BC8E-F05A72780C2C}" dt="2024-03-19T22:15:45.729" v="1" actId="14100"/>
+          <ac:spMkLst>
+            <pc:docMk/>
+            <pc:sldMk cId="2767873475" sldId="258"/>
+            <ac:spMk id="3" creationId="{906E09C7-C4C7-90ED-6AE9-5E5E45CB37C1}"/>
+          </ac:spMkLst>
+        </pc:spChg>
+      </pc:sldChg>
+    </pc:docChg>
+  </pc:docChgLst>
+</pc:chgInfo>
+</file>
+
 <file path=ppt/slideLayouts/slideLayout1.xml><?xml version="1.0" encoding="utf-8"?>
 <p:sldLayout xmlns:a="http://schemas.openxmlformats.org/drawingml/2006/main" xmlns:r="http://schemas.openxmlformats.org/officeDocument/2006/relationships" xmlns:p="http://schemas.openxmlformats.org/presentationml/2006/main" type="title" preserve="1">
   <p:cSld name="Title Slide">
@@ -247,7 +291,7 @@
           <a:p>
             <a:fld id="{CADECAF3-A250-4A3D-A763-F2E69453704C}" type="datetimeFigureOut">
               <a:rPr lang="en-US" smtClean="0"/>
-              <a:t>10/18/2022</a:t>
+              <a:t>3/19/2024</a:t>
             </a:fld>
             <a:endParaRPr lang="en-US"/>
           </a:p>
@@ -417,7 +461,7 @@
           <a:p>
             <a:fld id="{CADECAF3-A250-4A3D-A763-F2E69453704C}" type="datetimeFigureOut">
               <a:rPr lang="en-US" smtClean="0"/>
-              <a:t>10/18/2022</a:t>
+              <a:t>3/19/2024</a:t>
             </a:fld>
             <a:endParaRPr lang="en-US"/>
           </a:p>
@@ -597,7 +641,7 @@
           <a:p>
             <a:fld id="{CADECAF3-A250-4A3D-A763-F2E69453704C}" type="datetimeFigureOut">
               <a:rPr lang="en-US" smtClean="0"/>
-              <a:t>10/18/2022</a:t>
+              <a:t>3/19/2024</a:t>
             </a:fld>
             <a:endParaRPr lang="en-US"/>
           </a:p>
@@ -767,7 +811,7 @@
           <a:p>
             <a:fld id="{CADECAF3-A250-4A3D-A763-F2E69453704C}" type="datetimeFigureOut">
               <a:rPr lang="en-US" smtClean="0"/>
-              <a:t>10/18/2022</a:t>
+              <a:t>3/19/2024</a:t>
             </a:fld>
             <a:endParaRPr lang="en-US"/>
           </a:p>
@@ -1013,7 +1057,7 @@
           <a:p>
             <a:fld id="{CADECAF3-A250-4A3D-A763-F2E69453704C}" type="datetimeFigureOut">
               <a:rPr lang="en-US" smtClean="0"/>
-              <a:t>10/18/2022</a:t>
+              <a:t>3/19/2024</a:t>
             </a:fld>
             <a:endParaRPr lang="en-US"/>
           </a:p>
@@ -1245,7 +1289,7 @@
           <a:p>
             <a:fld id="{CADECAF3-A250-4A3D-A763-F2E69453704C}" type="datetimeFigureOut">
               <a:rPr lang="en-US" smtClean="0"/>
-              <a:t>10/18/2022</a:t>
+              <a:t>3/19/2024</a:t>
             </a:fld>
             <a:endParaRPr lang="en-US"/>
           </a:p>
@@ -1612,7 +1656,7 @@
           <a:p>
             <a:fld id="{CADECAF3-A250-4A3D-A763-F2E69453704C}" type="datetimeFigureOut">
               <a:rPr lang="en-US" smtClean="0"/>
-              <a:t>10/18/2022</a:t>
+              <a:t>3/19/2024</a:t>
             </a:fld>
             <a:endParaRPr lang="en-US"/>
           </a:p>
@@ -1730,7 +1774,7 @@
           <a:p>
             <a:fld id="{CADECAF3-A250-4A3D-A763-F2E69453704C}" type="datetimeFigureOut">
               <a:rPr lang="en-US" smtClean="0"/>
-              <a:t>10/18/2022</a:t>
+              <a:t>3/19/2024</a:t>
             </a:fld>
             <a:endParaRPr lang="en-US"/>
           </a:p>
@@ -1825,7 +1869,7 @@
           <a:p>
             <a:fld id="{CADECAF3-A250-4A3D-A763-F2E69453704C}" type="datetimeFigureOut">
               <a:rPr lang="en-US" smtClean="0"/>
-              <a:t>10/18/2022</a:t>
+              <a:t>3/19/2024</a:t>
             </a:fld>
             <a:endParaRPr lang="en-US"/>
           </a:p>
@@ -2102,7 +2146,7 @@
           <a:p>
             <a:fld id="{CADECAF3-A250-4A3D-A763-F2E69453704C}" type="datetimeFigureOut">
               <a:rPr lang="en-US" smtClean="0"/>
-              <a:t>10/18/2022</a:t>
+              <a:t>3/19/2024</a:t>
             </a:fld>
             <a:endParaRPr lang="en-US"/>
           </a:p>
@@ -2359,7 +2403,7 @@
           <a:p>
             <a:fld id="{CADECAF3-A250-4A3D-A763-F2E69453704C}" type="datetimeFigureOut">
               <a:rPr lang="en-US" smtClean="0"/>
-              <a:t>10/18/2022</a:t>
+              <a:t>3/19/2024</a:t>
             </a:fld>
             <a:endParaRPr lang="en-US"/>
           </a:p>
@@ -2572,7 +2616,7 @@
           <a:p>
             <a:fld id="{CADECAF3-A250-4A3D-A763-F2E69453704C}" type="datetimeFigureOut">
               <a:rPr lang="en-US" smtClean="0"/>
-              <a:t>10/18/2022</a:t>
+              <a:t>3/19/2024</a:t>
             </a:fld>
             <a:endParaRPr lang="en-US"/>
           </a:p>
@@ -3127,7 +3171,7 @@
         <p:spPr>
           <a:xfrm>
             <a:off x="838200" y="1825625"/>
-            <a:ext cx="5963653" cy="4351338"/>
+            <a:ext cx="9046464" cy="4351338"/>
           </a:xfrm>
         </p:spPr>
         <p:txBody>
@@ -3288,7 +3332,7 @@
         <p:spPr>
           <a:xfrm>
             <a:off x="838200" y="1825625"/>
-            <a:ext cx="5418221" cy="4506936"/>
+            <a:ext cx="7272528" cy="4506936"/>
           </a:xfrm>
         </p:spPr>
         <p:txBody>

--- a/Week14/02 Pet Park - Retrieve Contributor.pptx
+++ b/Week14/02 Pet Park - Retrieve Contributor.pptx
@@ -157,6 +157,22 @@
       </pc:sldChg>
     </pc:docChg>
   </pc:docChgLst>
+  <pc:docChgLst>
+    <pc:chgData name="Chuck Kiefriter" userId="a996b49251c4dfd2" providerId="LiveId" clId="{1F4E1D8C-ECF6-4E69-BE6A-9AD86D3C6CA0}"/>
+    <pc:docChg chg="addSld delSld">
+      <pc:chgData name="Chuck Kiefriter" userId="a996b49251c4dfd2" providerId="LiveId" clId="{1F4E1D8C-ECF6-4E69-BE6A-9AD86D3C6CA0}" dt="2024-11-06T13:51:36.062" v="1" actId="47"/>
+      <pc:docMkLst>
+        <pc:docMk/>
+      </pc:docMkLst>
+      <pc:sldChg chg="new del">
+        <pc:chgData name="Chuck Kiefriter" userId="a996b49251c4dfd2" providerId="LiveId" clId="{1F4E1D8C-ECF6-4E69-BE6A-9AD86D3C6CA0}" dt="2024-11-06T13:51:36.062" v="1" actId="47"/>
+        <pc:sldMkLst>
+          <pc:docMk/>
+          <pc:sldMk cId="1213400914" sldId="261"/>
+        </pc:sldMkLst>
+      </pc:sldChg>
+    </pc:docChg>
+  </pc:docChgLst>
 </pc:chgInfo>
 </file>
 
@@ -291,7 +307,7 @@
           <a:p>
             <a:fld id="{CADECAF3-A250-4A3D-A763-F2E69453704C}" type="datetimeFigureOut">
               <a:rPr lang="en-US" smtClean="0"/>
-              <a:t>3/19/2024</a:t>
+              <a:t>11/6/2024</a:t>
             </a:fld>
             <a:endParaRPr lang="en-US"/>
           </a:p>
@@ -461,7 +477,7 @@
           <a:p>
             <a:fld id="{CADECAF3-A250-4A3D-A763-F2E69453704C}" type="datetimeFigureOut">
               <a:rPr lang="en-US" smtClean="0"/>
-              <a:t>3/19/2024</a:t>
+              <a:t>11/6/2024</a:t>
             </a:fld>
             <a:endParaRPr lang="en-US"/>
           </a:p>
@@ -641,7 +657,7 @@
           <a:p>
             <a:fld id="{CADECAF3-A250-4A3D-A763-F2E69453704C}" type="datetimeFigureOut">
               <a:rPr lang="en-US" smtClean="0"/>
-              <a:t>3/19/2024</a:t>
+              <a:t>11/6/2024</a:t>
             </a:fld>
             <a:endParaRPr lang="en-US"/>
           </a:p>
@@ -811,7 +827,7 @@
           <a:p>
             <a:fld id="{CADECAF3-A250-4A3D-A763-F2E69453704C}" type="datetimeFigureOut">
               <a:rPr lang="en-US" smtClean="0"/>
-              <a:t>3/19/2024</a:t>
+              <a:t>11/6/2024</a:t>
             </a:fld>
             <a:endParaRPr lang="en-US"/>
           </a:p>
@@ -1057,7 +1073,7 @@
           <a:p>
             <a:fld id="{CADECAF3-A250-4A3D-A763-F2E69453704C}" type="datetimeFigureOut">
               <a:rPr lang="en-US" smtClean="0"/>
-              <a:t>3/19/2024</a:t>
+              <a:t>11/6/2024</a:t>
             </a:fld>
             <a:endParaRPr lang="en-US"/>
           </a:p>
@@ -1289,7 +1305,7 @@
           <a:p>
             <a:fld id="{CADECAF3-A250-4A3D-A763-F2E69453704C}" type="datetimeFigureOut">
               <a:rPr lang="en-US" smtClean="0"/>
-              <a:t>3/19/2024</a:t>
+              <a:t>11/6/2024</a:t>
             </a:fld>
             <a:endParaRPr lang="en-US"/>
           </a:p>
@@ -1656,7 +1672,7 @@
           <a:p>
             <a:fld id="{CADECAF3-A250-4A3D-A763-F2E69453704C}" type="datetimeFigureOut">
               <a:rPr lang="en-US" smtClean="0"/>
-              <a:t>3/19/2024</a:t>
+              <a:t>11/6/2024</a:t>
             </a:fld>
             <a:endParaRPr lang="en-US"/>
           </a:p>
@@ -1774,7 +1790,7 @@
           <a:p>
             <a:fld id="{CADECAF3-A250-4A3D-A763-F2E69453704C}" type="datetimeFigureOut">
               <a:rPr lang="en-US" smtClean="0"/>
-              <a:t>3/19/2024</a:t>
+              <a:t>11/6/2024</a:t>
             </a:fld>
             <a:endParaRPr lang="en-US"/>
           </a:p>
@@ -1869,7 +1885,7 @@
           <a:p>
             <a:fld id="{CADECAF3-A250-4A3D-A763-F2E69453704C}" type="datetimeFigureOut">
               <a:rPr lang="en-US" smtClean="0"/>
-              <a:t>3/19/2024</a:t>
+              <a:t>11/6/2024</a:t>
             </a:fld>
             <a:endParaRPr lang="en-US"/>
           </a:p>
@@ -2146,7 +2162,7 @@
           <a:p>
             <a:fld id="{CADECAF3-A250-4A3D-A763-F2E69453704C}" type="datetimeFigureOut">
               <a:rPr lang="en-US" smtClean="0"/>
-              <a:t>3/19/2024</a:t>
+              <a:t>11/6/2024</a:t>
             </a:fld>
             <a:endParaRPr lang="en-US"/>
           </a:p>
@@ -2403,7 +2419,7 @@
           <a:p>
             <a:fld id="{CADECAF3-A250-4A3D-A763-F2E69453704C}" type="datetimeFigureOut">
               <a:rPr lang="en-US" smtClean="0"/>
-              <a:t>3/19/2024</a:t>
+              <a:t>11/6/2024</a:t>
             </a:fld>
             <a:endParaRPr lang="en-US"/>
           </a:p>
@@ -2616,7 +2632,7 @@
           <a:p>
             <a:fld id="{CADECAF3-A250-4A3D-A763-F2E69453704C}" type="datetimeFigureOut">
               <a:rPr lang="en-US" smtClean="0"/>
-              <a:t>3/19/2024</a:t>
+              <a:t>11/6/2024</a:t>
             </a:fld>
             <a:endParaRPr lang="en-US"/>
           </a:p>
